--- a/Home Loan System Presentation.pptx
+++ b/Home Loan System Presentation.pptx
@@ -6,10 +6,10 @@
     <p:sldMasterId id="2147485758" r:id="rId6"/>
   </p:sldMasterIdLst>
   <p:notesMasterIdLst>
-    <p:notesMasterId r:id="rId23"/>
+    <p:notesMasterId r:id="rId22"/>
   </p:notesMasterIdLst>
   <p:handoutMasterIdLst>
-    <p:handoutMasterId r:id="rId24"/>
+    <p:handoutMasterId r:id="rId23"/>
   </p:handoutMasterIdLst>
   <p:sldIdLst>
     <p:sldId id="415" r:id="rId7"/>
@@ -23,11 +23,10 @@
     <p:sldId id="1762" r:id="rId15"/>
     <p:sldId id="1763" r:id="rId16"/>
     <p:sldId id="1759" r:id="rId17"/>
-    <p:sldId id="1051" r:id="rId18"/>
-    <p:sldId id="1052" r:id="rId19"/>
-    <p:sldId id="1053" r:id="rId20"/>
-    <p:sldId id="1054" r:id="rId21"/>
-    <p:sldId id="1055" r:id="rId22"/>
+    <p:sldId id="1052" r:id="rId18"/>
+    <p:sldId id="1053" r:id="rId19"/>
+    <p:sldId id="1054" r:id="rId20"/>
+    <p:sldId id="1055" r:id="rId21"/>
   </p:sldIdLst>
   <p:sldSz cx="10110788" cy="7583488"/>
   <p:notesSz cx="6794500" cy="9906000"/>
@@ -8364,318 +8363,6 @@
         </p:nvSpPr>
         <p:spPr bwMode="auto">
           <a:xfrm>
-            <a:off x="-1756" y="232952"/>
-            <a:ext cx="7669103" cy="456390"/>
-          </a:xfrm>
-          <a:prstGeom prst="rect">
-            <a:avLst/>
-          </a:prstGeom>
-          <a:noFill/>
-          <a:extLst>
-            <a:ext uri="{909E8E84-426E-40DD-AFC4-6F175D3DCCD1}">
-              <a14:hiddenFill xmlns:a14="http://schemas.microsoft.com/office/drawing/2010/main">
-                <a:solidFill>
-                  <a:srgbClr val="FFFFFF"/>
-                </a:solidFill>
-              </a14:hiddenFill>
-            </a:ext>
-            <a:ext uri="{91240B29-F687-4F45-9708-019B960494DF}">
-              <a14:hiddenLine xmlns:a14="http://schemas.microsoft.com/office/drawing/2010/main" w="9525">
-                <a:solidFill>
-                  <a:srgbClr val="000000"/>
-                </a:solidFill>
-                <a:miter lim="800000"/>
-                <a:headEnd/>
-                <a:tailEnd/>
-              </a14:hiddenLine>
-            </a:ext>
-          </a:extLst>
-        </p:spPr>
-        <p:txBody>
-          <a:bodyPr vert="horz" wrap="square" numCol="1" anchor="t" anchorCtr="0" compatLnSpc="1">
-            <a:prstTxWarp prst="textNoShape">
-              <a:avLst/>
-            </a:prstTxWarp>
-          </a:bodyPr>
-          <a:lstStyle>
-            <a:lvl1pPr algn="ctr" defTabSz="455613" rtl="0" eaLnBrk="0" fontAlgn="base" hangingPunct="0">
-              <a:spcBef>
-                <a:spcPct val="0"/>
-              </a:spcBef>
-              <a:spcAft>
-                <a:spcPct val="0"/>
-              </a:spcAft>
-              <a:defRPr sz="4400" kern="1200">
-                <a:solidFill>
-                  <a:schemeClr val="tx1"/>
-                </a:solidFill>
-                <a:latin typeface="+mj-lt"/>
-                <a:ea typeface="MS PGothic" pitchFamily="34" charset="-128"/>
-                <a:cs typeface="MS PGothic"/>
-              </a:defRPr>
-            </a:lvl1pPr>
-            <a:lvl2pPr algn="ctr" defTabSz="455613" rtl="0" eaLnBrk="0" fontAlgn="base" hangingPunct="0">
-              <a:spcBef>
-                <a:spcPct val="0"/>
-              </a:spcBef>
-              <a:spcAft>
-                <a:spcPct val="0"/>
-              </a:spcAft>
-              <a:defRPr sz="4400">
-                <a:solidFill>
-                  <a:schemeClr val="tx1"/>
-                </a:solidFill>
-                <a:latin typeface="Calibri" pitchFamily="34" charset="0"/>
-                <a:ea typeface="MS PGothic" pitchFamily="34" charset="-128"/>
-                <a:cs typeface="MS PGothic"/>
-              </a:defRPr>
-            </a:lvl2pPr>
-            <a:lvl3pPr algn="ctr" defTabSz="455613" rtl="0" eaLnBrk="0" fontAlgn="base" hangingPunct="0">
-              <a:spcBef>
-                <a:spcPct val="0"/>
-              </a:spcBef>
-              <a:spcAft>
-                <a:spcPct val="0"/>
-              </a:spcAft>
-              <a:defRPr sz="4400">
-                <a:solidFill>
-                  <a:schemeClr val="tx1"/>
-                </a:solidFill>
-                <a:latin typeface="Calibri" pitchFamily="34" charset="0"/>
-                <a:ea typeface="MS PGothic" pitchFamily="34" charset="-128"/>
-                <a:cs typeface="MS PGothic"/>
-              </a:defRPr>
-            </a:lvl3pPr>
-            <a:lvl4pPr algn="ctr" defTabSz="455613" rtl="0" eaLnBrk="0" fontAlgn="base" hangingPunct="0">
-              <a:spcBef>
-                <a:spcPct val="0"/>
-              </a:spcBef>
-              <a:spcAft>
-                <a:spcPct val="0"/>
-              </a:spcAft>
-              <a:defRPr sz="4400">
-                <a:solidFill>
-                  <a:schemeClr val="tx1"/>
-                </a:solidFill>
-                <a:latin typeface="Calibri" pitchFamily="34" charset="0"/>
-                <a:ea typeface="MS PGothic" pitchFamily="34" charset="-128"/>
-                <a:cs typeface="MS PGothic"/>
-              </a:defRPr>
-            </a:lvl4pPr>
-            <a:lvl5pPr algn="ctr" defTabSz="455613" rtl="0" eaLnBrk="0" fontAlgn="base" hangingPunct="0">
-              <a:spcBef>
-                <a:spcPct val="0"/>
-              </a:spcBef>
-              <a:spcAft>
-                <a:spcPct val="0"/>
-              </a:spcAft>
-              <a:defRPr sz="4400">
-                <a:solidFill>
-                  <a:schemeClr val="tx1"/>
-                </a:solidFill>
-                <a:latin typeface="Calibri" pitchFamily="34" charset="0"/>
-                <a:ea typeface="MS PGothic" pitchFamily="34" charset="-128"/>
-                <a:cs typeface="MS PGothic"/>
-              </a:defRPr>
-            </a:lvl5pPr>
-            <a:lvl6pPr marL="457146" algn="ctr" defTabSz="457146" rtl="0" eaLnBrk="1" fontAlgn="base" hangingPunct="1">
-              <a:spcBef>
-                <a:spcPct val="0"/>
-              </a:spcBef>
-              <a:spcAft>
-                <a:spcPct val="0"/>
-              </a:spcAft>
-              <a:defRPr sz="4400">
-                <a:solidFill>
-                  <a:schemeClr val="tx1"/>
-                </a:solidFill>
-                <a:latin typeface="Calibri" pitchFamily="34" charset="0"/>
-                <a:ea typeface="MS PGothic" pitchFamily="34" charset="-128"/>
-              </a:defRPr>
-            </a:lvl6pPr>
-            <a:lvl7pPr marL="914293" algn="ctr" defTabSz="457146" rtl="0" eaLnBrk="1" fontAlgn="base" hangingPunct="1">
-              <a:spcBef>
-                <a:spcPct val="0"/>
-              </a:spcBef>
-              <a:spcAft>
-                <a:spcPct val="0"/>
-              </a:spcAft>
-              <a:defRPr sz="4400">
-                <a:solidFill>
-                  <a:schemeClr val="tx1"/>
-                </a:solidFill>
-                <a:latin typeface="Calibri" pitchFamily="34" charset="0"/>
-                <a:ea typeface="MS PGothic" pitchFamily="34" charset="-128"/>
-              </a:defRPr>
-            </a:lvl7pPr>
-            <a:lvl8pPr marL="1371440" algn="ctr" defTabSz="457146" rtl="0" eaLnBrk="1" fontAlgn="base" hangingPunct="1">
-              <a:spcBef>
-                <a:spcPct val="0"/>
-              </a:spcBef>
-              <a:spcAft>
-                <a:spcPct val="0"/>
-              </a:spcAft>
-              <a:defRPr sz="4400">
-                <a:solidFill>
-                  <a:schemeClr val="tx1"/>
-                </a:solidFill>
-                <a:latin typeface="Calibri" pitchFamily="34" charset="0"/>
-                <a:ea typeface="MS PGothic" pitchFamily="34" charset="-128"/>
-              </a:defRPr>
-            </a:lvl8pPr>
-            <a:lvl9pPr marL="1828586" algn="ctr" defTabSz="457146" rtl="0" eaLnBrk="1" fontAlgn="base" hangingPunct="1">
-              <a:spcBef>
-                <a:spcPct val="0"/>
-              </a:spcBef>
-              <a:spcAft>
-                <a:spcPct val="0"/>
-              </a:spcAft>
-              <a:defRPr sz="4400">
-                <a:solidFill>
-                  <a:schemeClr val="tx1"/>
-                </a:solidFill>
-                <a:latin typeface="Calibri" pitchFamily="34" charset="0"/>
-                <a:ea typeface="MS PGothic" pitchFamily="34" charset="-128"/>
-              </a:defRPr>
-            </a:lvl9pPr>
-          </a:lstStyle>
-          <a:p>
-            <a:pPr algn="l">
-              <a:buClrTx/>
-              <a:buFontTx/>
-              <a:buNone/>
-            </a:pPr>
-            <a:r>
-              <a:rPr lang="en-US" altLang="en-US" sz="2800" b="1" dirty="0">
-                <a:solidFill>
-                  <a:schemeClr val="bg1"/>
-                </a:solidFill>
-              </a:rPr>
-              <a:t>Show Your Schedule</a:t>
-            </a:r>
-            <a:endParaRPr lang="en-US" sz="2654" b="1" dirty="0">
-              <a:solidFill>
-                <a:schemeClr val="bg1"/>
-              </a:solidFill>
-              <a:latin typeface="Arial" panose="020B0604020202020204" pitchFamily="34" charset="0"/>
-              <a:cs typeface="Arial" panose="020B0604020202020204" pitchFamily="34" charset="0"/>
-            </a:endParaRPr>
-          </a:p>
-        </p:txBody>
-      </p:sp>
-      <p:sp>
-        <p:nvSpPr>
-          <p:cNvPr id="3" name="Subtitle 2">
-            <a:extLst>
-              <a:ext uri="{FF2B5EF4-FFF2-40B4-BE49-F238E27FC236}">
-                <a16:creationId xmlns:a16="http://schemas.microsoft.com/office/drawing/2014/main" id="{0917E0CB-12EC-5646-8247-DFF25F895D19}"/>
-              </a:ext>
-            </a:extLst>
-          </p:cNvPr>
-          <p:cNvSpPr>
-            <a:spLocks noGrp="1"/>
-          </p:cNvSpPr>
-          <p:nvPr>
-            <p:ph type="subTitle" idx="4"/>
-          </p:nvPr>
-        </p:nvSpPr>
-        <p:spPr>
-          <a:xfrm>
-            <a:off x="589795" y="1186054"/>
-            <a:ext cx="7077552" cy="692497"/>
-          </a:xfrm>
-        </p:spPr>
-        <p:txBody>
-          <a:bodyPr/>
-          <a:lstStyle/>
-          <a:p>
-            <a:r>
-              <a:rPr lang="en-US" altLang="en-US" kern="0" dirty="0">
-                <a:solidFill>
-                  <a:schemeClr val="tx1"/>
-                </a:solidFill>
-                <a:latin typeface="Trebuchet MS" panose="020B0703020202090204" pitchFamily="34" charset="0"/>
-              </a:rPr>
-              <a:t>Project Schedule – </a:t>
-            </a:r>
-            <a:r>
-              <a:rPr lang="en-US" altLang="en-US" i="1" kern="0" dirty="0">
-                <a:solidFill>
-                  <a:schemeClr val="tx1"/>
-                </a:solidFill>
-                <a:latin typeface="Trebuchet MS" panose="020B0703020202090204" pitchFamily="34" charset="0"/>
-              </a:rPr>
-              <a:t>Time Spent </a:t>
-            </a:r>
-            <a:r>
-              <a:rPr lang="en-US" altLang="en-US" kern="0" dirty="0">
-                <a:solidFill>
-                  <a:schemeClr val="tx1"/>
-                </a:solidFill>
-                <a:latin typeface="Trebuchet MS" panose="020B0703020202090204" pitchFamily="34" charset="0"/>
-              </a:rPr>
-              <a:t>or </a:t>
-            </a:r>
-            <a:r>
-              <a:rPr lang="en-US" altLang="en-US" i="1" kern="0" dirty="0">
-                <a:solidFill>
-                  <a:schemeClr val="tx1"/>
-                </a:solidFill>
-                <a:latin typeface="Trebuchet MS" panose="020B0703020202090204" pitchFamily="34" charset="0"/>
-              </a:rPr>
-              <a:t>Sprint Cycles</a:t>
-            </a:r>
-          </a:p>
-          <a:p>
-            <a:endParaRPr lang="en-US" dirty="0">
-              <a:solidFill>
-                <a:schemeClr val="tx1"/>
-              </a:solidFill>
-              <a:latin typeface="Trebuchet MS" panose="020B0703020202090204" pitchFamily="34" charset="0"/>
-            </a:endParaRPr>
-          </a:p>
-        </p:txBody>
-      </p:sp>
-    </p:spTree>
-    <p:extLst>
-      <p:ext uri="{BB962C8B-B14F-4D97-AF65-F5344CB8AC3E}">
-        <p14:creationId xmlns:p14="http://schemas.microsoft.com/office/powerpoint/2010/main" val="710568976"/>
-      </p:ext>
-    </p:extLst>
-  </p:cSld>
-  <p:clrMapOvr>
-    <a:masterClrMapping/>
-  </p:clrMapOvr>
-</p:sld>
-</file>
-
-<file path=ppt/slides/slide13.xml><?xml version="1.0" encoding="utf-8"?>
-<p:sld xmlns:a="http://schemas.openxmlformats.org/drawingml/2006/main" xmlns:r="http://schemas.openxmlformats.org/officeDocument/2006/relationships" xmlns:p="http://schemas.openxmlformats.org/presentationml/2006/main">
-  <p:cSld>
-    <p:spTree>
-      <p:nvGrpSpPr>
-        <p:cNvPr id="1" name=""/>
-        <p:cNvGrpSpPr/>
-        <p:nvPr/>
-      </p:nvGrpSpPr>
-      <p:grpSpPr>
-        <a:xfrm>
-          <a:off x="0" y="0"/>
-          <a:ext cx="0" cy="0"/>
-          <a:chOff x="0" y="0"/>
-          <a:chExt cx="0" cy="0"/>
-        </a:xfrm>
-      </p:grpSpPr>
-      <p:sp>
-        <p:nvSpPr>
-          <p:cNvPr id="4" name="Title 1"/>
-          <p:cNvSpPr txBox="1">
-            <a:spLocks/>
-          </p:cNvSpPr>
-          <p:nvPr/>
-        </p:nvSpPr>
-        <p:spPr bwMode="auto">
-          <a:xfrm>
             <a:off x="-1755" y="131352"/>
             <a:ext cx="6656556" cy="456390"/>
           </a:xfrm>
@@ -9325,7 +9012,7 @@
 </p:sld>
 </file>
 
-<file path=ppt/slides/slide14.xml><?xml version="1.0" encoding="utf-8"?>
+<file path=ppt/slides/slide13.xml><?xml version="1.0" encoding="utf-8"?>
 <p:sld xmlns:a="http://schemas.openxmlformats.org/drawingml/2006/main" xmlns:r="http://schemas.openxmlformats.org/officeDocument/2006/relationships" xmlns:p="http://schemas.openxmlformats.org/presentationml/2006/main">
   <p:cSld>
     <p:spTree>
@@ -9682,7 +9369,7 @@
               <a:rPr lang="en-US" altLang="en-US" sz="1600" dirty="0">
                 <a:latin typeface="Trebuchet MS" panose="020B0703020202090204" pitchFamily="34" charset="0"/>
               </a:rPr>
-              <a:t>	API testing in Postman</a:t>
+              <a:t>	API testing in Postman and controller implementation</a:t>
             </a:r>
           </a:p>
           <a:p>
@@ -9934,7 +9621,7 @@
 </p:sld>
 </file>
 
-<file path=ppt/slides/slide15.xml><?xml version="1.0" encoding="utf-8"?>
+<file path=ppt/slides/slide14.xml><?xml version="1.0" encoding="utf-8"?>
 <p:sld xmlns:a="http://schemas.openxmlformats.org/drawingml/2006/main" xmlns:r="http://schemas.openxmlformats.org/officeDocument/2006/relationships" xmlns:p="http://schemas.openxmlformats.org/presentationml/2006/main">
   <p:cSld>
     <p:spTree>
@@ -9964,7 +9651,7 @@
         <p:spPr>
           <a:xfrm>
             <a:off x="1011079" y="1432560"/>
-            <a:ext cx="8046502" cy="2323713"/>
+            <a:ext cx="8046502" cy="2877711"/>
           </a:xfrm>
           <a:prstGeom prst="rect">
             <a:avLst/>
@@ -9974,28 +9661,25 @@
           <a:bodyPr/>
           <a:lstStyle/>
           <a:p>
-            <a:pPr eaLnBrk="1" hangingPunct="1"/>
-            <a:r>
-              <a:rPr lang="en-US" altLang="en-US" sz="1800" i="1" dirty="0">
+            <a:pPr marL="342900" indent="-342900" eaLnBrk="1" hangingPunct="1">
+              <a:buFont typeface="+mj-lt"/>
+              <a:buAutoNum type="arabicPeriod"/>
+            </a:pPr>
+            <a:r>
+              <a:rPr lang="en-US" altLang="en-US" sz="1800" dirty="0">
                 <a:solidFill>
                   <a:schemeClr val="tx1"/>
                 </a:solidFill>
                 <a:latin typeface="Trebuchet MS" panose="020B0703020202090204" pitchFamily="34" charset="0"/>
               </a:rPr>
-              <a:t>Describe the lessons that you learnt at the end of this project in the following manner:</a:t>
-            </a:r>
-          </a:p>
-          <a:p>
-            <a:pPr eaLnBrk="1" hangingPunct="1"/>
-            <a:endParaRPr lang="en-US" altLang="en-US" sz="1800" i="1" dirty="0">
-              <a:solidFill>
-                <a:schemeClr val="tx1"/>
-              </a:solidFill>
-              <a:latin typeface="Trebuchet MS" panose="020B0703020202090204" pitchFamily="34" charset="0"/>
-            </a:endParaRPr>
-          </a:p>
-          <a:p>
-            <a:pPr eaLnBrk="1" hangingPunct="1"/>
+              <a:t>To put your thoughts in team gatherings.</a:t>
+            </a:r>
+          </a:p>
+          <a:p>
+            <a:pPr marL="342900" indent="-342900" eaLnBrk="1" hangingPunct="1">
+              <a:buFont typeface="+mj-lt"/>
+              <a:buAutoNum type="arabicPeriod"/>
+            </a:pPr>
             <a:r>
               <a:rPr lang="en-US" altLang="en-US" sz="1800" dirty="0">
                 <a:solidFill>
@@ -10003,11 +9687,14 @@
                 </a:solidFill>
                 <a:latin typeface="Trebuchet MS" panose="020B0703020202090204" pitchFamily="34" charset="0"/>
               </a:rPr>
-              <a:t>Lesson 1: </a:t>
-            </a:r>
-          </a:p>
-          <a:p>
-            <a:pPr eaLnBrk="1" hangingPunct="1"/>
+              <a:t>Before proceeding, everyone should understand the stories.</a:t>
+            </a:r>
+          </a:p>
+          <a:p>
+            <a:pPr marL="342900" indent="-342900" eaLnBrk="1" hangingPunct="1">
+              <a:buFont typeface="+mj-lt"/>
+              <a:buAutoNum type="arabicPeriod"/>
+            </a:pPr>
             <a:r>
               <a:rPr lang="en-US" altLang="en-US" sz="1800" dirty="0">
                 <a:solidFill>
@@ -10015,11 +9702,14 @@
                 </a:solidFill>
                 <a:latin typeface="Trebuchet MS" panose="020B0703020202090204" pitchFamily="34" charset="0"/>
               </a:rPr>
-              <a:t>Lesson 2:</a:t>
-            </a:r>
-          </a:p>
-          <a:p>
-            <a:pPr eaLnBrk="1" hangingPunct="1"/>
+              <a:t>How to pick important and useful information from the problem description. </a:t>
+            </a:r>
+          </a:p>
+          <a:p>
+            <a:pPr marL="342900" indent="-342900" eaLnBrk="1" hangingPunct="1">
+              <a:buFont typeface="+mj-lt"/>
+              <a:buAutoNum type="arabicPeriod"/>
+            </a:pPr>
             <a:r>
               <a:rPr lang="en-US" altLang="en-US" sz="1800" dirty="0">
                 <a:solidFill>
@@ -10027,7 +9717,22 @@
                 </a:solidFill>
                 <a:latin typeface="Trebuchet MS" panose="020B0703020202090204" pitchFamily="34" charset="0"/>
               </a:rPr>
-              <a:t>Lesson 3:</a:t>
+              <a:t>How to appreciate others’ thoughts and add yours at the same time to enhance the project.</a:t>
+            </a:r>
+          </a:p>
+          <a:p>
+            <a:pPr marL="342900" indent="-342900" eaLnBrk="1" hangingPunct="1">
+              <a:buFont typeface="+mj-lt"/>
+              <a:buAutoNum type="arabicPeriod"/>
+            </a:pPr>
+            <a:r>
+              <a:rPr lang="en-US" altLang="en-US" sz="1800" dirty="0">
+                <a:solidFill>
+                  <a:schemeClr val="tx1"/>
+                </a:solidFill>
+                <a:latin typeface="Trebuchet MS" panose="020B0703020202090204" pitchFamily="34" charset="0"/>
+              </a:rPr>
+              <a:t>Write down whatever doubts come to your mind and put it forward in the scrum meeting, it might lead to a new feature or fix a bug.</a:t>
             </a:r>
           </a:p>
           <a:p>
@@ -10265,7 +9970,7 @@
 </p:sld>
 </file>
 
-<file path=ppt/slides/slide16.xml><?xml version="1.0" encoding="utf-8"?>
+<file path=ppt/slides/slide15.xml><?xml version="1.0" encoding="utf-8"?>
 <p:sld xmlns:a="http://schemas.openxmlformats.org/drawingml/2006/main" xmlns:r="http://schemas.openxmlformats.org/officeDocument/2006/relationships" xmlns:p="http://schemas.openxmlformats.org/presentationml/2006/main">
   <p:cSld>
     <p:spTree>
@@ -13107,9 +12812,24 @@
               <a:buFont typeface="Arial" panose="020B0604020202020204" pitchFamily="34" charset="0"/>
               <a:buChar char="•"/>
             </a:pPr>
-            <a:endParaRPr lang="en-US" altLang="en-US" dirty="0">
-              <a:latin typeface="Trebuchet MS" panose="020B0703020202090204" pitchFamily="34" charset="0"/>
-            </a:endParaRPr>
+            <a:r>
+              <a:rPr lang="en-US" altLang="en-US" dirty="0">
+                <a:latin typeface="Trebuchet MS" panose="020B0703020202090204" pitchFamily="34" charset="0"/>
+              </a:rPr>
+              <a:t>Assuming that the account holder has a good credit score.</a:t>
+            </a:r>
+          </a:p>
+          <a:p>
+            <a:pPr marL="342900" indent="-342900">
+              <a:buFont typeface="Arial" panose="020B0604020202020204" pitchFamily="34" charset="0"/>
+              <a:buChar char="•"/>
+            </a:pPr>
+            <a:r>
+              <a:rPr lang="en-US" altLang="en-US" dirty="0">
+                <a:latin typeface="Trebuchet MS" panose="020B0703020202090204" pitchFamily="34" charset="0"/>
+              </a:rPr>
+              <a:t>One has a valid source of income.</a:t>
+            </a:r>
           </a:p>
         </p:txBody>
       </p:sp>
@@ -13228,6 +12948,110 @@
                                           <p:spTgt spid="15">
                                             <p:txEl>
                                               <p:pRg st="0" end="0"/>
+                                            </p:txEl>
+                                          </p:spTgt>
+                                        </p:tgtEl>
+                                      </p:cBhvr>
+                                    </p:animEffect>
+                                  </p:childTnLst>
+                                </p:cTn>
+                              </p:par>
+                            </p:childTnLst>
+                          </p:cTn>
+                        </p:par>
+                        <p:par>
+                          <p:cTn id="8" fill="hold">
+                            <p:stCondLst>
+                              <p:cond delay="500"/>
+                            </p:stCondLst>
+                            <p:childTnLst>
+                              <p:par>
+                                <p:cTn id="9" presetID="10" presetClass="entr" presetSubtype="0" fill="hold" nodeType="afterEffect">
+                                  <p:stCondLst>
+                                    <p:cond delay="0"/>
+                                  </p:stCondLst>
+                                  <p:childTnLst>
+                                    <p:set>
+                                      <p:cBhvr>
+                                        <p:cTn id="10" dur="1" fill="hold">
+                                          <p:stCondLst>
+                                            <p:cond delay="0"/>
+                                          </p:stCondLst>
+                                        </p:cTn>
+                                        <p:tgtEl>
+                                          <p:spTgt spid="15">
+                                            <p:txEl>
+                                              <p:pRg st="1" end="1"/>
+                                            </p:txEl>
+                                          </p:spTgt>
+                                        </p:tgtEl>
+                                        <p:attrNameLst>
+                                          <p:attrName>style.visibility</p:attrName>
+                                        </p:attrNameLst>
+                                      </p:cBhvr>
+                                      <p:to>
+                                        <p:strVal val="visible"/>
+                                      </p:to>
+                                    </p:set>
+                                    <p:animEffect transition="in" filter="fade">
+                                      <p:cBhvr>
+                                        <p:cTn id="11" dur="500"/>
+                                        <p:tgtEl>
+                                          <p:spTgt spid="15">
+                                            <p:txEl>
+                                              <p:pRg st="1" end="1"/>
+                                            </p:txEl>
+                                          </p:spTgt>
+                                        </p:tgtEl>
+                                      </p:cBhvr>
+                                    </p:animEffect>
+                                  </p:childTnLst>
+                                </p:cTn>
+                              </p:par>
+                            </p:childTnLst>
+                          </p:cTn>
+                        </p:par>
+                        <p:par>
+                          <p:cTn id="12" fill="hold">
+                            <p:stCondLst>
+                              <p:cond delay="1000"/>
+                            </p:stCondLst>
+                            <p:childTnLst>
+                              <p:par>
+                                <p:cTn id="13" presetID="10" presetClass="entr" presetSubtype="0" fill="hold" nodeType="afterEffect">
+                                  <p:stCondLst>
+                                    <p:cond delay="0"/>
+                                  </p:stCondLst>
+                                  <p:childTnLst>
+                                    <p:set>
+                                      <p:cBhvr>
+                                        <p:cTn id="14" dur="1" fill="hold">
+                                          <p:stCondLst>
+                                            <p:cond delay="0"/>
+                                          </p:stCondLst>
+                                        </p:cTn>
+                                        <p:tgtEl>
+                                          <p:spTgt spid="15">
+                                            <p:txEl>
+                                              <p:pRg st="2" end="2"/>
+                                            </p:txEl>
+                                          </p:spTgt>
+                                        </p:tgtEl>
+                                        <p:attrNameLst>
+                                          <p:attrName>style.visibility</p:attrName>
+                                        </p:attrNameLst>
+                                      </p:cBhvr>
+                                      <p:to>
+                                        <p:strVal val="visible"/>
+                                      </p:to>
+                                    </p:set>
+                                    <p:animEffect transition="in" filter="fade">
+                                      <p:cBhvr>
+                                        <p:cTn id="15" dur="500"/>
+                                        <p:tgtEl>
+                                          <p:spTgt spid="15">
+                                            <p:txEl>
+                                              <p:pRg st="2" end="2"/>
                                             </p:txEl>
                                           </p:spTgt>
                                         </p:tgtEl>
